--- a/semantik.pptx
+++ b/semantik.pptx
@@ -242,7 +242,7 @@
           <a:p>
             <a:fld id="{8FE09A04-2735-4CC8-9F4D-E1F710D83CC7}" type="datetimeFigureOut">
               <a:rPr lang="de-DE" smtClean="0"/>
-              <a:t>19.04.2019</a:t>
+              <a:t>27.04.2019</a:t>
             </a:fld>
             <a:endParaRPr lang="de-DE"/>
           </a:p>
@@ -407,7 +407,7 @@
           <a:p>
             <a:fld id="{4249CEEF-3BC5-4B5B-9C81-C2CD995D98CD}" type="datetimeFigureOut">
               <a:rPr lang="de-DE" smtClean="0"/>
-              <a:t>19.04.2019</a:t>
+              <a:t>27.04.2019</a:t>
             </a:fld>
             <a:endParaRPr lang="de-DE"/>
           </a:p>
@@ -915,7 +915,7 @@
           <a:p>
             <a:fld id="{4A75E36B-C573-415E-B9B3-1638580CF907}" type="datetime1">
               <a:rPr lang="de-DE" smtClean="0"/>
-              <a:t>19.04.2019</a:t>
+              <a:t>27.04.2019</a:t>
             </a:fld>
             <a:endParaRPr lang="de-DE" dirty="0"/>
           </a:p>
@@ -3278,7 +3278,7 @@
           <a:p>
             <a:fld id="{4A75E36B-C573-415E-B9B3-1638580CF907}" type="datetime1">
               <a:rPr lang="de-DE" smtClean="0"/>
-              <a:t>19.04.2019</a:t>
+              <a:t>27.04.2019</a:t>
             </a:fld>
             <a:endParaRPr lang="de-DE" dirty="0"/>
           </a:p>
@@ -10161,10 +10161,6 @@
           </a:p>
           <a:p>
             <a:r>
-              <a:rPr lang="de-DE" dirty="0"/>
-              <a:t> </a:t>
-            </a:r>
-            <a:r>
               <a:rPr lang="de-DE" dirty="0" err="1"/>
               <a:t>Altitude</a:t>
             </a:r>
@@ -14514,16 +14510,22 @@
               <a:rPr lang="de-DE" dirty="0">
                 <a:latin typeface="Calibri" panose="020F0502020204030204" pitchFamily="34" charset="0"/>
               </a:rPr>
-              <a:t> 1 </a:t>
-            </a:r>
-            <a:r>
-              <a:rPr lang="de-DE" dirty="0">
+              <a:t> </a:t>
+            </a:r>
+            <a:r>
+              <a:rPr lang="de-DE">
+                <a:latin typeface="Calibri" panose="020F0502020204030204" pitchFamily="34" charset="0"/>
+              </a:rPr>
+              <a:t>1 </a:t>
+            </a:r>
+            <a:r>
+              <a:rPr lang="de-DE">
                 <a:solidFill>
                   <a:srgbClr val="00B0F0"/>
                 </a:solidFill>
                 <a:latin typeface="Calibri" panose="020F0502020204030204" pitchFamily="34" charset="0"/>
               </a:rPr>
-              <a:t>LINE </a:t>
+              <a:t>LINES </a:t>
             </a:r>
             <a:r>
               <a:rPr lang="de-DE" dirty="0">

--- a/semantik.pptx
+++ b/semantik.pptx
@@ -5,10 +5,10 @@
     <p:sldMasterId id="2147483648" r:id="rId1"/>
   </p:sldMasterIdLst>
   <p:notesMasterIdLst>
-    <p:notesMasterId r:id="rId20"/>
+    <p:notesMasterId r:id="rId19"/>
   </p:notesMasterIdLst>
   <p:handoutMasterIdLst>
-    <p:handoutMasterId r:id="rId21"/>
+    <p:handoutMasterId r:id="rId20"/>
   </p:handoutMasterIdLst>
   <p:sldIdLst>
     <p:sldId id="256" r:id="rId2"/>
@@ -28,7 +28,6 @@
     <p:sldId id="268" r:id="rId16"/>
     <p:sldId id="269" r:id="rId17"/>
     <p:sldId id="270" r:id="rId18"/>
-    <p:sldId id="275" r:id="rId19"/>
   </p:sldIdLst>
   <p:sldSz cx="9144000" cy="6858000" type="screen4x3"/>
   <p:notesSz cx="6858000" cy="9144000"/>
@@ -242,7 +241,7 @@
           <a:p>
             <a:fld id="{8FE09A04-2735-4CC8-9F4D-E1F710D83CC7}" type="datetimeFigureOut">
               <a:rPr lang="de-DE" smtClean="0"/>
-              <a:t>27.04.2019</a:t>
+              <a:t>29.04.2019</a:t>
             </a:fld>
             <a:endParaRPr lang="de-DE"/>
           </a:p>
@@ -407,7 +406,7 @@
           <a:p>
             <a:fld id="{4249CEEF-3BC5-4B5B-9C81-C2CD995D98CD}" type="datetimeFigureOut">
               <a:rPr lang="de-DE" smtClean="0"/>
-              <a:t>27.04.2019</a:t>
+              <a:t>29.04.2019</a:t>
             </a:fld>
             <a:endParaRPr lang="de-DE"/>
           </a:p>
@@ -915,7 +914,7 @@
           <a:p>
             <a:fld id="{4A75E36B-C573-415E-B9B3-1638580CF907}" type="datetime1">
               <a:rPr lang="de-DE" smtClean="0"/>
-              <a:t>27.04.2019</a:t>
+              <a:t>29.04.2019</a:t>
             </a:fld>
             <a:endParaRPr lang="de-DE" dirty="0"/>
           </a:p>
@@ -3278,7 +3277,7 @@
           <a:p>
             <a:fld id="{4A75E36B-C573-415E-B9B3-1638580CF907}" type="datetime1">
               <a:rPr lang="de-DE" smtClean="0"/>
-              <a:t>27.04.2019</a:t>
+              <a:t>29.04.2019</a:t>
             </a:fld>
             <a:endParaRPr lang="de-DE" dirty="0"/>
           </a:p>
@@ -4289,11 +4288,11 @@
                 </a:solidFill>
                 <a:latin typeface="+mn-lt"/>
               </a:rPr>
-              <a:t>wer</a:t>
+              <a:t>wert</a:t>
             </a:r>
             <a:r>
               <a:rPr lang="de-DE" sz="1500" dirty="0"/>
-              <a:t>t2, …) ;</a:t>
+              <a:t>2, …) ;</a:t>
             </a:r>
           </a:p>
           <a:p>
@@ -9317,185 +9316,6 @@
 </p:sld>
 </file>
 
-<file path=ppt/slides/slide18.xml><?xml version="1.0" encoding="utf-8"?>
-<p:sld xmlns:a="http://schemas.openxmlformats.org/drawingml/2006/main" xmlns:r="http://schemas.openxmlformats.org/officeDocument/2006/relationships" xmlns:p="http://schemas.openxmlformats.org/presentationml/2006/main">
-  <p:cSld>
-    <p:spTree>
-      <p:nvGrpSpPr>
-        <p:cNvPr id="1" name=""/>
-        <p:cNvGrpSpPr/>
-        <p:nvPr/>
-      </p:nvGrpSpPr>
-      <p:grpSpPr>
-        <a:xfrm>
-          <a:off x="0" y="0"/>
-          <a:ext cx="0" cy="0"/>
-          <a:chOff x="0" y="0"/>
-          <a:chExt cx="0" cy="0"/>
-        </a:xfrm>
-      </p:grpSpPr>
-      <p:sp>
-        <p:nvSpPr>
-          <p:cNvPr id="2" name="Titel 1"/>
-          <p:cNvSpPr>
-            <a:spLocks noGrp="1"/>
-          </p:cNvSpPr>
-          <p:nvPr>
-            <p:ph type="title"/>
-          </p:nvPr>
-        </p:nvSpPr>
-        <p:spPr/>
-        <p:txBody>
-          <a:bodyPr/>
-          <a:lstStyle/>
-          <a:p>
-            <a:endParaRPr lang="de-DE"/>
-          </a:p>
-        </p:txBody>
-      </p:sp>
-      <p:sp>
-        <p:nvSpPr>
-          <p:cNvPr id="3" name="Inhaltsplatzhalter 2"/>
-          <p:cNvSpPr>
-            <a:spLocks noGrp="1"/>
-          </p:cNvSpPr>
-          <p:nvPr>
-            <p:ph idx="1"/>
-          </p:nvPr>
-        </p:nvSpPr>
-        <p:spPr/>
-        <p:txBody>
-          <a:bodyPr/>
-          <a:lstStyle/>
-          <a:p>
-            <a:r>
-              <a:rPr lang="de-DE" dirty="0"/>
-              <a:t>Tabelle in </a:t>
-            </a:r>
-            <a:r>
-              <a:rPr lang="de-DE" dirty="0" err="1"/>
-              <a:t>datei</a:t>
-            </a:r>
-            <a:r>
-              <a:rPr lang="de-DE" dirty="0"/>
-              <a:t> speichern</a:t>
-            </a:r>
-          </a:p>
-          <a:p>
-            <a:r>
-              <a:rPr lang="de-DE" dirty="0"/>
-              <a:t>Spalte hinzufügen</a:t>
-            </a:r>
-          </a:p>
-          <a:p>
-            <a:r>
-              <a:rPr lang="de-DE" dirty="0" err="1"/>
-              <a:t>drop</a:t>
-            </a:r>
-            <a:r>
-              <a:rPr lang="de-DE" dirty="0"/>
-              <a:t> Tabelle</a:t>
-            </a:r>
-          </a:p>
-          <a:p>
-            <a:endParaRPr lang="de-DE" dirty="0"/>
-          </a:p>
-          <a:p>
-            <a:endParaRPr lang="de-DE" dirty="0"/>
-          </a:p>
-          <a:p>
-            <a:r>
-              <a:rPr lang="de-DE" dirty="0"/>
-              <a:t>Daten in R laden</a:t>
-            </a:r>
-          </a:p>
-          <a:p>
-            <a:r>
-              <a:rPr lang="de-DE" dirty="0"/>
-              <a:t>Diagramme</a:t>
-            </a:r>
-          </a:p>
-        </p:txBody>
-      </p:sp>
-      <p:sp>
-        <p:nvSpPr>
-          <p:cNvPr id="4" name="Fußzeilenplatzhalter 3"/>
-          <p:cNvSpPr>
-            <a:spLocks noGrp="1"/>
-          </p:cNvSpPr>
-          <p:nvPr>
-            <p:ph type="ftr" sz="quarter" idx="11"/>
-          </p:nvPr>
-        </p:nvSpPr>
-        <p:spPr/>
-        <p:txBody>
-          <a:bodyPr/>
-          <a:lstStyle/>
-          <a:p>
-            <a:r>
-              <a:rPr lang="de-DE"/>
-              <a:t>PROGRAMMREDNER (anpassen unter Einfügen -&gt; Kopf- und Fußzeile)</a:t>
-            </a:r>
-            <a:endParaRPr lang="de-DE" dirty="0"/>
-          </a:p>
-        </p:txBody>
-      </p:sp>
-      <p:sp>
-        <p:nvSpPr>
-          <p:cNvPr id="5" name="Foliennummernplatzhalter 4"/>
-          <p:cNvSpPr>
-            <a:spLocks noGrp="1"/>
-          </p:cNvSpPr>
-          <p:nvPr>
-            <p:ph type="sldNum" sz="quarter" idx="12"/>
-          </p:nvPr>
-        </p:nvSpPr>
-        <p:spPr/>
-        <p:txBody>
-          <a:bodyPr/>
-          <a:lstStyle/>
-          <a:p>
-            <a:fld id="{CA0331FE-20E8-4698-9153-CD9A6AD6A960}" type="slidenum">
-              <a:rPr lang="de-DE" smtClean="0"/>
-              <a:pPr/>
-              <a:t>18</a:t>
-            </a:fld>
-            <a:endParaRPr lang="de-DE" dirty="0"/>
-          </a:p>
-        </p:txBody>
-      </p:sp>
-      <p:sp>
-        <p:nvSpPr>
-          <p:cNvPr id="6" name="Textplatzhalter 5"/>
-          <p:cNvSpPr>
-            <a:spLocks noGrp="1"/>
-          </p:cNvSpPr>
-          <p:nvPr>
-            <p:ph type="body" sz="quarter" idx="13"/>
-          </p:nvPr>
-        </p:nvSpPr>
-        <p:spPr/>
-        <p:txBody>
-          <a:bodyPr/>
-          <a:lstStyle/>
-          <a:p>
-            <a:endParaRPr lang="de-DE"/>
-          </a:p>
-        </p:txBody>
-      </p:sp>
-    </p:spTree>
-    <p:extLst>
-      <p:ext uri="{BB962C8B-B14F-4D97-AF65-F5344CB8AC3E}">
-        <p14:creationId xmlns:p14="http://schemas.microsoft.com/office/powerpoint/2010/main" val="3458822758"/>
-      </p:ext>
-    </p:extLst>
-  </p:cSld>
-  <p:clrMapOvr>
-    <a:masterClrMapping/>
-  </p:clrMapOvr>
-</p:sld>
-</file>
-
 <file path=ppt/slides/slide2.xml><?xml version="1.0" encoding="utf-8"?>
 <p:sld xmlns:a="http://schemas.openxmlformats.org/drawingml/2006/main" xmlns:r="http://schemas.openxmlformats.org/officeDocument/2006/relationships" xmlns:p="http://schemas.openxmlformats.org/presentationml/2006/main">
   <p:cSld>
@@ -11265,7 +11085,7 @@
                   <a:srgbClr val="7030A0"/>
                 </a:solidFill>
               </a:rPr>
-              <a:t>spaltenname </a:t>
+              <a:t>spaltenname</a:t>
             </a:r>
             <a:r>
               <a:rPr lang="de-DE" dirty="0"/>
@@ -11281,14 +11101,8 @@
               <a:t>datentyp</a:t>
             </a:r>
             <a:r>
-              <a:rPr lang="de-DE" sz="1800" dirty="0">
-                <a:latin typeface="+mn-lt"/>
-              </a:rPr>
-              <a:t>1</a:t>
-            </a:r>
-            <a:r>
-              <a:rPr lang="de-DE" dirty="0"/>
-              <a:t>, </a:t>
+              <a:rPr lang="de-DE" dirty="0"/>
+              <a:t>1, </a:t>
             </a:r>
             <a:r>
               <a:rPr lang="de-DE" dirty="0">
@@ -11296,7 +11110,7 @@
                   <a:srgbClr val="7030A0"/>
                 </a:solidFill>
               </a:rPr>
-              <a:t>spaltenname </a:t>
+              <a:t>spaltenname</a:t>
             </a:r>
             <a:r>
               <a:rPr lang="de-DE" dirty="0"/>
